--- a/Fraud_Detection_Slides.pptx
+++ b/Fraud_Detection_Slides.pptx
@@ -34521,7 +34521,7 @@
             </a:pPr>
             <a:r>
               <a:rPr b="1" lang="en"/>
-              <a:t>AVAE </a:t>
+              <a:t>Augmented Data </a:t>
             </a:r>
             <a:r>
               <a:rPr b="1" lang="en"/>
@@ -34541,7 +34541,7 @@
             </a:pPr>
             <a:r>
               <a:rPr b="1" lang="en"/>
-              <a:t>Model Deployment</a:t>
+              <a:t>Model Training &amp; Deployment</a:t>
             </a:r>
             <a:endParaRPr b="1"/>
           </a:p>
@@ -34579,6 +34579,10 @@
               </a:spcAft>
               <a:buNone/>
             </a:pPr>
+            <a:r>
+              <a:rPr b="1" lang="en"/>
+              <a:t>Data </a:t>
+            </a:r>
             <a:r>
               <a:rPr b="1" lang="en"/>
               <a:t>Preprocessing</a:t>
@@ -38260,44 +38264,44 @@
 </file>
 
 <file path=ppt/theme/theme1.xml><?xml version="1.0" encoding="utf-8"?>
-<a:theme xmlns:a="http://schemas.openxmlformats.org/drawingml/2006/main" xmlns:r="http://schemas.openxmlformats.org/officeDocument/2006/relationships">
+<a:theme xmlns:a="http://schemas.openxmlformats.org/drawingml/2006/main" xmlns:r="http://schemas.openxmlformats.org/officeDocument/2006/relationships" name="Science Presentation">
   <a:themeElements>
-    <a:clrScheme name="Default">
+    <a:clrScheme name="Simple Light">
       <a:dk1>
-        <a:srgbClr val="000000"/>
+        <a:srgbClr val="005088"/>
       </a:dk1>
       <a:lt1>
-        <a:srgbClr val="FFFFFF"/>
+        <a:srgbClr val="F3F0DF"/>
       </a:lt1>
       <a:dk2>
-        <a:srgbClr val="158158"/>
+        <a:srgbClr val="121212"/>
       </a:dk2>
       <a:lt2>
-        <a:srgbClr val="F3F3F3"/>
+        <a:srgbClr val="D0E0E3"/>
       </a:lt2>
       <a:accent1>
-        <a:srgbClr val="058DC7"/>
+        <a:srgbClr val="11CAA0"/>
       </a:accent1>
       <a:accent2>
-        <a:srgbClr val="50B432"/>
+        <a:srgbClr val="6D6D6B"/>
       </a:accent2>
       <a:accent3>
-        <a:srgbClr val="ED561B"/>
+        <a:srgbClr val="FFFFFF"/>
       </a:accent3>
       <a:accent4>
-        <a:srgbClr val="EDEF00"/>
+        <a:srgbClr val="656839"/>
       </a:accent4>
       <a:accent5>
-        <a:srgbClr val="24CBE5"/>
+        <a:srgbClr val="774936"/>
       </a:accent5>
       <a:accent6>
-        <a:srgbClr val="64E572"/>
+        <a:srgbClr val="C492B1"/>
       </a:accent6>
       <a:hlink>
-        <a:srgbClr val="2200CC"/>
+        <a:srgbClr val="000000"/>
       </a:hlink>
       <a:folHlink>
-        <a:srgbClr val="551A8B"/>
+        <a:srgbClr val="0097A7"/>
       </a:folHlink>
     </a:clrScheme>
     <a:fontScheme name="Office">
@@ -38539,44 +38543,44 @@
 </file>
 
 <file path=ppt/theme/theme2.xml><?xml version="1.0" encoding="utf-8"?>
-<a:theme xmlns:a="http://schemas.openxmlformats.org/drawingml/2006/main" xmlns:r="http://schemas.openxmlformats.org/officeDocument/2006/relationships" name="Science Presentation">
+<a:theme xmlns:a="http://schemas.openxmlformats.org/drawingml/2006/main" xmlns:r="http://schemas.openxmlformats.org/officeDocument/2006/relationships">
   <a:themeElements>
-    <a:clrScheme name="Simple Light">
+    <a:clrScheme name="Default">
       <a:dk1>
-        <a:srgbClr val="005088"/>
+        <a:srgbClr val="000000"/>
       </a:dk1>
       <a:lt1>
-        <a:srgbClr val="F3F0DF"/>
+        <a:srgbClr val="FFFFFF"/>
       </a:lt1>
       <a:dk2>
-        <a:srgbClr val="121212"/>
+        <a:srgbClr val="158158"/>
       </a:dk2>
       <a:lt2>
-        <a:srgbClr val="D0E0E3"/>
+        <a:srgbClr val="F3F3F3"/>
       </a:lt2>
       <a:accent1>
-        <a:srgbClr val="11CAA0"/>
+        <a:srgbClr val="058DC7"/>
       </a:accent1>
       <a:accent2>
-        <a:srgbClr val="6D6D6B"/>
+        <a:srgbClr val="50B432"/>
       </a:accent2>
       <a:accent3>
-        <a:srgbClr val="FFFFFF"/>
+        <a:srgbClr val="ED561B"/>
       </a:accent3>
       <a:accent4>
-        <a:srgbClr val="656839"/>
+        <a:srgbClr val="EDEF00"/>
       </a:accent4>
       <a:accent5>
-        <a:srgbClr val="774936"/>
+        <a:srgbClr val="24CBE5"/>
       </a:accent5>
       <a:accent6>
-        <a:srgbClr val="C492B1"/>
+        <a:srgbClr val="64E572"/>
       </a:accent6>
       <a:hlink>
-        <a:srgbClr val="000000"/>
+        <a:srgbClr val="2200CC"/>
       </a:hlink>
       <a:folHlink>
-        <a:srgbClr val="0097A7"/>
+        <a:srgbClr val="551A8B"/>
       </a:folHlink>
     </a:clrScheme>
     <a:fontScheme name="Office">
